--- a/document/Presentation/template.pptx
+++ b/document/Presentation/template.pptx
@@ -200,7 +200,7 @@
           <a:p>
             <a:fld id="{E852E061-749A-9E4B-8028-C943E6669D26}" type="datetimeFigureOut">
               <a:rPr lang="en-KR" smtClean="0"/>
-              <a:t>4/7/23</a:t>
+              <a:t>4/9/23</a:t>
             </a:fld>
             <a:endParaRPr lang="en-KR"/>
           </a:p>
@@ -466,6 +466,358 @@
     </a:lvl9pPr>
   </p:notesStyle>
 </p:notesMaster>
+</file>
+
+<file path=ppt/notesSlides/notesSlide1.xml><?xml version="1.0" encoding="utf-8"?>
+<p:notes xmlns:a="http://schemas.openxmlformats.org/drawingml/2006/main" xmlns:r="http://schemas.openxmlformats.org/officeDocument/2006/relationships" xmlns:p="http://schemas.openxmlformats.org/presentationml/2006/main">
+  <p:cSld>
+    <p:spTree>
+      <p:nvGrpSpPr>
+        <p:cNvPr id="1" name=""/>
+        <p:cNvGrpSpPr/>
+        <p:nvPr/>
+      </p:nvGrpSpPr>
+      <p:grpSpPr>
+        <a:xfrm>
+          <a:off x="0" y="0"/>
+          <a:ext cx="0" cy="0"/>
+          <a:chOff x="0" y="0"/>
+          <a:chExt cx="0" cy="0"/>
+        </a:xfrm>
+      </p:grpSpPr>
+      <p:sp>
+        <p:nvSpPr>
+          <p:cNvPr id="2" name="슬라이드 이미지 개체 틀 1"/>
+          <p:cNvSpPr>
+            <a:spLocks noGrp="1" noRot="1" noChangeAspect="1"/>
+          </p:cNvSpPr>
+          <p:nvPr>
+            <p:ph type="sldImg"/>
+          </p:nvPr>
+        </p:nvSpPr>
+        <p:spPr/>
+      </p:sp>
+      <p:sp>
+        <p:nvSpPr>
+          <p:cNvPr id="3" name="슬라이드 노트 개체 틀 2"/>
+          <p:cNvSpPr>
+            <a:spLocks noGrp="1"/>
+          </p:cNvSpPr>
+          <p:nvPr>
+            <p:ph type="body" idx="1"/>
+          </p:nvPr>
+        </p:nvSpPr>
+        <p:spPr/>
+        <p:txBody>
+          <a:bodyPr/>
+          <a:lstStyle/>
+          <a:p>
+            <a:pPr lvl="1">
+              <a:buSzPct val="100000"/>
+            </a:pPr>
+            <a:r>
+              <a:rPr lang="en-US" altLang="ko-KR" dirty="0">
+                <a:latin typeface="+mn-ea"/>
+              </a:rPr>
+              <a:t>1P – </a:t>
+            </a:r>
+            <a:r>
+              <a:rPr lang="ko-KR" altLang="en-US" dirty="0">
+                <a:latin typeface="+mn-ea"/>
+              </a:rPr>
+              <a:t>표지 </a:t>
+            </a:r>
+            <a:r>
+              <a:rPr lang="en-US" altLang="ko-KR" dirty="0">
+                <a:latin typeface="+mn-ea"/>
+              </a:rPr>
+              <a:t># </a:t>
+            </a:r>
+            <a:r>
+              <a:rPr lang="ko-KR" altLang="en-US" dirty="0">
+                <a:latin typeface="+mn-ea"/>
+              </a:rPr>
+              <a:t>소부승</a:t>
+            </a:r>
+            <a:endParaRPr lang="en-US" altLang="ko-KR" dirty="0">
+              <a:latin typeface="+mn-ea"/>
+            </a:endParaRPr>
+          </a:p>
+          <a:p>
+            <a:pPr lvl="1">
+              <a:buSzPct val="100000"/>
+            </a:pPr>
+            <a:r>
+              <a:rPr lang="en-US" altLang="ko-KR" dirty="0">
+                <a:latin typeface="+mn-ea"/>
+              </a:rPr>
+              <a:t>2P</a:t>
+            </a:r>
+            <a:r>
+              <a:rPr lang="ko-KR" altLang="en-US" dirty="0">
+                <a:latin typeface="+mn-ea"/>
+              </a:rPr>
+              <a:t> </a:t>
+            </a:r>
+            <a:r>
+              <a:rPr lang="en-US" altLang="ko-KR" dirty="0">
+                <a:latin typeface="+mn-ea"/>
+              </a:rPr>
+              <a:t>–</a:t>
+            </a:r>
+            <a:r>
+              <a:rPr lang="ko-KR" altLang="en-US" dirty="0">
+                <a:latin typeface="+mn-ea"/>
+              </a:rPr>
+              <a:t> </a:t>
+            </a:r>
+            <a:r>
+              <a:rPr lang="ko-KR" altLang="en-US" dirty="0" err="1">
+                <a:latin typeface="+mn-ea"/>
+              </a:rPr>
+              <a:t>팀명</a:t>
+            </a:r>
+            <a:r>
+              <a:rPr lang="ko-KR" altLang="en-US" dirty="0">
+                <a:latin typeface="+mn-ea"/>
+              </a:rPr>
+              <a:t> 및 주제 표지 </a:t>
+            </a:r>
+            <a:r>
+              <a:rPr lang="en-US" altLang="ko-KR" dirty="0">
+                <a:latin typeface="+mn-ea"/>
+              </a:rPr>
+              <a:t># </a:t>
+            </a:r>
+            <a:r>
+              <a:rPr lang="ko-KR" altLang="en-US" dirty="0" err="1">
+                <a:latin typeface="+mn-ea"/>
+              </a:rPr>
+              <a:t>황예찬</a:t>
+            </a:r>
+            <a:endParaRPr lang="en-US" altLang="ko-KR" dirty="0">
+              <a:latin typeface="+mn-ea"/>
+            </a:endParaRPr>
+          </a:p>
+          <a:p>
+            <a:pPr lvl="1">
+              <a:buSzPct val="100000"/>
+            </a:pPr>
+            <a:r>
+              <a:rPr lang="en-US" altLang="ko-KR" dirty="0">
+                <a:latin typeface="+mn-ea"/>
+              </a:rPr>
+              <a:t>3P – </a:t>
+            </a:r>
+            <a:r>
+              <a:rPr lang="ko-KR" altLang="en-US" dirty="0">
+                <a:latin typeface="+mn-ea"/>
+              </a:rPr>
+              <a:t>선정 동기 및 관련 내용 </a:t>
+            </a:r>
+            <a:r>
+              <a:rPr lang="en-US" altLang="ko-KR" dirty="0">
+                <a:latin typeface="+mn-ea"/>
+              </a:rPr>
+              <a:t># </a:t>
+            </a:r>
+            <a:r>
+              <a:rPr lang="ko-KR" altLang="en-US" dirty="0" err="1">
+                <a:latin typeface="+mn-ea"/>
+              </a:rPr>
+              <a:t>황예찬</a:t>
+            </a:r>
+            <a:endParaRPr lang="en-US" altLang="ko-KR" dirty="0">
+              <a:latin typeface="+mn-ea"/>
+            </a:endParaRPr>
+          </a:p>
+          <a:p>
+            <a:pPr lvl="1">
+              <a:buSzPct val="100000"/>
+            </a:pPr>
+            <a:r>
+              <a:rPr lang="en-US" altLang="ko-KR" dirty="0">
+                <a:latin typeface="+mn-ea"/>
+              </a:rPr>
+              <a:t>4P – </a:t>
+            </a:r>
+            <a:r>
+              <a:rPr lang="ko-KR" altLang="en-US" dirty="0">
+                <a:latin typeface="+mn-ea"/>
+              </a:rPr>
+              <a:t>사용할 오픈소스 </a:t>
+            </a:r>
+            <a:r>
+              <a:rPr lang="en-US" altLang="ko-KR" dirty="0">
+                <a:latin typeface="+mn-ea"/>
+              </a:rPr>
+              <a:t># </a:t>
+            </a:r>
+            <a:r>
+              <a:rPr lang="ko-KR" altLang="en-US" dirty="0" err="1">
+                <a:latin typeface="+mn-ea"/>
+              </a:rPr>
+              <a:t>정예성</a:t>
+            </a:r>
+            <a:endParaRPr lang="en-US" altLang="ko-KR" dirty="0">
+              <a:latin typeface="+mn-ea"/>
+            </a:endParaRPr>
+          </a:p>
+          <a:p>
+            <a:pPr lvl="1">
+              <a:buSzPct val="100000"/>
+            </a:pPr>
+            <a:r>
+              <a:rPr lang="en-US" altLang="ko-KR" dirty="0">
+                <a:latin typeface="+mn-ea"/>
+              </a:rPr>
+              <a:t>5P – </a:t>
+            </a:r>
+            <a:r>
+              <a:rPr lang="ko-KR" altLang="en-US" dirty="0">
+                <a:latin typeface="+mn-ea"/>
+              </a:rPr>
+              <a:t>개선 사항 및 추가할 내용 </a:t>
+            </a:r>
+            <a:r>
+              <a:rPr lang="en-US" altLang="ko-KR" dirty="0">
+                <a:latin typeface="+mn-ea"/>
+              </a:rPr>
+              <a:t># </a:t>
+            </a:r>
+            <a:r>
+              <a:rPr lang="ko-KR" altLang="en-US" dirty="0" err="1">
+                <a:latin typeface="+mn-ea"/>
+              </a:rPr>
+              <a:t>정예성</a:t>
+            </a:r>
+            <a:endParaRPr lang="en-US" altLang="ko-KR" dirty="0">
+              <a:latin typeface="+mn-ea"/>
+            </a:endParaRPr>
+          </a:p>
+          <a:p>
+            <a:pPr lvl="1">
+              <a:buSzPct val="100000"/>
+            </a:pPr>
+            <a:r>
+              <a:rPr lang="en-US" altLang="ko-KR" dirty="0">
+                <a:latin typeface="+mn-ea"/>
+              </a:rPr>
+              <a:t>6P – </a:t>
+            </a:r>
+            <a:r>
+              <a:rPr lang="ko-KR" altLang="en-US" dirty="0">
+                <a:latin typeface="+mn-ea"/>
+              </a:rPr>
+              <a:t>팀 소개 </a:t>
+            </a:r>
+            <a:r>
+              <a:rPr lang="en-US" altLang="ko-KR" dirty="0">
+                <a:latin typeface="+mn-ea"/>
+              </a:rPr>
+              <a:t># </a:t>
+            </a:r>
+            <a:r>
+              <a:rPr lang="ko-KR" altLang="en-US" dirty="0" err="1">
+                <a:latin typeface="+mn-ea"/>
+              </a:rPr>
+              <a:t>김규형</a:t>
+            </a:r>
+            <a:endParaRPr lang="en-US" altLang="ko-KR" dirty="0">
+              <a:latin typeface="+mn-ea"/>
+            </a:endParaRPr>
+          </a:p>
+          <a:p>
+            <a:pPr lvl="1">
+              <a:buSzPct val="100000"/>
+            </a:pPr>
+            <a:r>
+              <a:rPr lang="en-US" altLang="ko-KR" dirty="0">
+                <a:latin typeface="+mn-ea"/>
+              </a:rPr>
+              <a:t>7P – Jira </a:t>
+            </a:r>
+            <a:r>
+              <a:rPr lang="ko-KR" altLang="en-US" dirty="0">
+                <a:latin typeface="+mn-ea"/>
+              </a:rPr>
+              <a:t>로드맵 화면 </a:t>
+            </a:r>
+            <a:r>
+              <a:rPr lang="en-US" altLang="ko-KR" dirty="0">
+                <a:latin typeface="+mn-ea"/>
+              </a:rPr>
+              <a:t>#</a:t>
+            </a:r>
+            <a:r>
+              <a:rPr lang="ko-KR" altLang="en-US" dirty="0" err="1">
+                <a:latin typeface="+mn-ea"/>
+              </a:rPr>
+              <a:t>김규형</a:t>
+            </a:r>
+            <a:endParaRPr lang="en-US" altLang="ko-KR" dirty="0">
+              <a:latin typeface="+mn-ea"/>
+            </a:endParaRPr>
+          </a:p>
+          <a:p>
+            <a:pPr lvl="1">
+              <a:buSzPct val="100000"/>
+            </a:pPr>
+            <a:r>
+              <a:rPr lang="en-US" altLang="ko-KR" dirty="0">
+                <a:latin typeface="+mn-ea"/>
+              </a:rPr>
+              <a:t>8P – Thank You # </a:t>
+            </a:r>
+            <a:r>
+              <a:rPr lang="ko-KR" altLang="en-US" dirty="0">
+                <a:latin typeface="+mn-ea"/>
+              </a:rPr>
+              <a:t>소부승</a:t>
+            </a:r>
+            <a:endParaRPr lang="en-US" altLang="ko-KR" dirty="0">
+              <a:latin typeface="+mn-ea"/>
+            </a:endParaRPr>
+          </a:p>
+          <a:p>
+            <a:endParaRPr kumimoji="1" lang="ko-Kore-KR" altLang="en-US" dirty="0"/>
+          </a:p>
+        </p:txBody>
+      </p:sp>
+      <p:sp>
+        <p:nvSpPr>
+          <p:cNvPr id="4" name="슬라이드 번호 개체 틀 3"/>
+          <p:cNvSpPr>
+            <a:spLocks noGrp="1"/>
+          </p:cNvSpPr>
+          <p:nvPr>
+            <p:ph type="sldNum" sz="quarter" idx="5"/>
+          </p:nvPr>
+        </p:nvSpPr>
+        <p:spPr/>
+        <p:txBody>
+          <a:bodyPr/>
+          <a:lstStyle/>
+          <a:p>
+            <a:fld id="{2B31D06E-1F42-374A-8F9D-EDB25416E18C}" type="slidenum">
+              <a:rPr lang="en-KR" smtClean="0"/>
+              <a:t>2</a:t>
+            </a:fld>
+            <a:endParaRPr lang="en-KR"/>
+          </a:p>
+        </p:txBody>
+      </p:sp>
+    </p:spTree>
+    <p:extLst>
+      <p:ext uri="{BB962C8B-B14F-4D97-AF65-F5344CB8AC3E}">
+        <p14:creationId xmlns:p14="http://schemas.microsoft.com/office/powerpoint/2010/main" val="3222615552"/>
+      </p:ext>
+    </p:extLst>
+  </p:cSld>
+  <p:clrMapOvr>
+    <a:masterClrMapping/>
+  </p:clrMapOvr>
+</p:notes>
 </file>
 
 <file path=ppt/slideLayouts/slideLayout1.xml><?xml version="1.0" encoding="utf-8"?>
@@ -3749,8 +4101,27 @@
           <a:lstStyle/>
           <a:p>
             <a:r>
-              <a:rPr lang="en-US"/>
-              <a:t>Template</a:t>
+              <a:rPr lang="en-US" dirty="0"/>
+              <a:t>Take A Seat</a:t>
+            </a:r>
+            <a:r>
+              <a:rPr lang="ko-KR" altLang="en-US" dirty="0"/>
+              <a:t> </a:t>
+            </a:r>
+            <a:r>
+              <a:rPr lang="en-US" altLang="ko-KR" dirty="0"/>
+              <a:t>(</a:t>
+            </a:r>
+            <a:r>
+              <a:rPr lang="ko-KR" altLang="en-US" b="0" dirty="0">
+                <a:latin typeface="BM JUA OTF" panose="02020603020101020101" pitchFamily="18" charset="-127"/>
+                <a:ea typeface="BM JUA OTF" panose="02020603020101020101" pitchFamily="18" charset="-127"/>
+              </a:rPr>
+              <a:t>태식이</a:t>
+            </a:r>
+            <a:r>
+              <a:rPr lang="en-US" altLang="ko-KR" dirty="0"/>
+              <a:t>)</a:t>
             </a:r>
             <a:endParaRPr lang="en-KR" dirty="0"/>
           </a:p>
@@ -3806,14 +4177,26 @@
           </a:p>
           <a:p>
             <a:r>
-              <a:rPr lang="en-US" sz="3200" dirty="0" err="1"/>
-              <a:t>Buseung</a:t>
-            </a:r>
-            <a:r>
-              <a:rPr lang="en-US" sz="3200" dirty="0"/>
-              <a:t> So</a:t>
-            </a:r>
-            <a:endParaRPr lang="en-KR" sz="3200" dirty="0"/>
+              <a:rPr lang="ko-KR" altLang="en-US" dirty="0" err="1"/>
+              <a:t>김규형</a:t>
+            </a:r>
+            <a:r>
+              <a:rPr lang="ko-KR" altLang="en-US" dirty="0"/>
+              <a:t> 소부승 </a:t>
+            </a:r>
+            <a:r>
+              <a:rPr lang="ko-KR" altLang="en-US" dirty="0" err="1"/>
+              <a:t>정예성</a:t>
+            </a:r>
+            <a:r>
+              <a:rPr lang="ko-KR" altLang="en-US" dirty="0"/>
+              <a:t> </a:t>
+            </a:r>
+            <a:r>
+              <a:rPr lang="ko-KR" altLang="en-US" dirty="0" err="1"/>
+              <a:t>황예찬</a:t>
+            </a:r>
+            <a:endParaRPr lang="en-KR" dirty="0"/>
           </a:p>
           <a:p>
             <a:endParaRPr lang="en-KR" sz="3200" dirty="0"/>
@@ -3902,9 +4285,27 @@
           <a:lstStyle/>
           <a:p>
             <a:r>
-              <a:rPr lang="en-KR" dirty="0"/>
-              <a:t>Outline</a:t>
-            </a:r>
+              <a:rPr lang="en-US" altLang="ko-KR" dirty="0"/>
+              <a:t>Take A Seat (</a:t>
+            </a:r>
+            <a:r>
+              <a:rPr lang="ko-KR" altLang="en-US" b="0" dirty="0">
+                <a:latin typeface="BM JUA OTF" panose="02020603020101020101" pitchFamily="18" charset="-127"/>
+                <a:ea typeface="BM JUA OTF" panose="02020603020101020101" pitchFamily="18" charset="-127"/>
+              </a:rPr>
+              <a:t>태식이</a:t>
+            </a:r>
+            <a:r>
+              <a:rPr lang="en-US" altLang="ko-KR" b="0">
+                <a:latin typeface="BM JUA OTF" panose="02020603020101020101" pitchFamily="18" charset="-127"/>
+                <a:ea typeface="BM JUA OTF" panose="02020603020101020101" pitchFamily="18" charset="-127"/>
+              </a:rPr>
+              <a:t>)</a:t>
+            </a:r>
+            <a:endParaRPr lang="en-KR" b="0" dirty="0">
+              <a:latin typeface="BM JUA OTF" panose="02020603020101020101" pitchFamily="18" charset="-127"/>
+              <a:ea typeface="BM JUA OTF" panose="02020603020101020101" pitchFamily="18" charset="-127"/>
+            </a:endParaRPr>
           </a:p>
         </p:txBody>
       </p:sp>
@@ -3928,59 +4329,6 @@
         <p:txBody>
           <a:bodyPr/>
           <a:lstStyle/>
-          <a:p>
-            <a:r>
-              <a:rPr lang="en-KR" dirty="0">
-                <a:solidFill>
-                  <a:srgbClr val="0070C0"/>
-                </a:solidFill>
-              </a:rPr>
-              <a:t>Topic 1</a:t>
-            </a:r>
-          </a:p>
-          <a:p>
-            <a:endParaRPr lang="en-KR" dirty="0"/>
-          </a:p>
-          <a:p>
-            <a:r>
-              <a:rPr lang="en-KR" b="0" dirty="0">
-                <a:solidFill>
-                  <a:schemeClr val="tx1"/>
-                </a:solidFill>
-              </a:rPr>
-              <a:t>Topic 2</a:t>
-            </a:r>
-          </a:p>
-          <a:p>
-            <a:endParaRPr lang="en-KR" b="0" dirty="0">
-              <a:solidFill>
-                <a:schemeClr val="tx1"/>
-              </a:solidFill>
-            </a:endParaRPr>
-          </a:p>
-          <a:p>
-            <a:r>
-              <a:rPr lang="en-KR" b="0" dirty="0">
-                <a:solidFill>
-                  <a:schemeClr val="tx1"/>
-                </a:solidFill>
-              </a:rPr>
-              <a:t>Topic 3</a:t>
-            </a:r>
-          </a:p>
-          <a:p>
-            <a:endParaRPr lang="en-KR" b="0" dirty="0"/>
-          </a:p>
-          <a:p>
-            <a:r>
-              <a:rPr lang="en-KR" b="0" dirty="0">
-                <a:solidFill>
-                  <a:schemeClr val="tx1"/>
-                </a:solidFill>
-              </a:rPr>
-              <a:t>Topic 4</a:t>
-            </a:r>
-          </a:p>
           <a:p>
             <a:endParaRPr lang="en-KR" b="0" dirty="0">
               <a:solidFill>
